--- a/Python Learning Material/Python_Session_2.pptx
+++ b/Python Learning Material/Python_Session_2.pptx
@@ -272,7 +272,7 @@
           <a:p>
             <a:fld id="{EB961C20-649C-4BE5-A381-07952A925CB3}" type="datetimeFigureOut">
               <a:rPr lang="en-US" smtClean="0"/>
-              <a:t>6/25/2020</a:t>
+              <a:t>9/13/2020</a:t>
             </a:fld>
             <a:endParaRPr lang="en-US"/>
           </a:p>
@@ -470,7 +470,7 @@
           <a:p>
             <a:fld id="{EB961C20-649C-4BE5-A381-07952A925CB3}" type="datetimeFigureOut">
               <a:rPr lang="en-US" smtClean="0"/>
-              <a:t>6/25/2020</a:t>
+              <a:t>9/13/2020</a:t>
             </a:fld>
             <a:endParaRPr lang="en-US"/>
           </a:p>
@@ -678,7 +678,7 @@
           <a:p>
             <a:fld id="{EB961C20-649C-4BE5-A381-07952A925CB3}" type="datetimeFigureOut">
               <a:rPr lang="en-US" smtClean="0"/>
-              <a:t>6/25/2020</a:t>
+              <a:t>9/13/2020</a:t>
             </a:fld>
             <a:endParaRPr lang="en-US"/>
           </a:p>
@@ -876,7 +876,7 @@
           <a:p>
             <a:fld id="{EB961C20-649C-4BE5-A381-07952A925CB3}" type="datetimeFigureOut">
               <a:rPr lang="en-US" smtClean="0"/>
-              <a:t>6/25/2020</a:t>
+              <a:t>9/13/2020</a:t>
             </a:fld>
             <a:endParaRPr lang="en-US"/>
           </a:p>
@@ -1151,7 +1151,7 @@
           <a:p>
             <a:fld id="{EB961C20-649C-4BE5-A381-07952A925CB3}" type="datetimeFigureOut">
               <a:rPr lang="en-US" smtClean="0"/>
-              <a:t>6/25/2020</a:t>
+              <a:t>9/13/2020</a:t>
             </a:fld>
             <a:endParaRPr lang="en-US"/>
           </a:p>
@@ -1416,7 +1416,7 @@
           <a:p>
             <a:fld id="{EB961C20-649C-4BE5-A381-07952A925CB3}" type="datetimeFigureOut">
               <a:rPr lang="en-US" smtClean="0"/>
-              <a:t>6/25/2020</a:t>
+              <a:t>9/13/2020</a:t>
             </a:fld>
             <a:endParaRPr lang="en-US"/>
           </a:p>
@@ -1828,7 +1828,7 @@
           <a:p>
             <a:fld id="{EB961C20-649C-4BE5-A381-07952A925CB3}" type="datetimeFigureOut">
               <a:rPr lang="en-US" smtClean="0"/>
-              <a:t>6/25/2020</a:t>
+              <a:t>9/13/2020</a:t>
             </a:fld>
             <a:endParaRPr lang="en-US"/>
           </a:p>
@@ -1969,7 +1969,7 @@
           <a:p>
             <a:fld id="{EB961C20-649C-4BE5-A381-07952A925CB3}" type="datetimeFigureOut">
               <a:rPr lang="en-US" smtClean="0"/>
-              <a:t>6/25/2020</a:t>
+              <a:t>9/13/2020</a:t>
             </a:fld>
             <a:endParaRPr lang="en-US"/>
           </a:p>
@@ -2082,7 +2082,7 @@
           <a:p>
             <a:fld id="{EB961C20-649C-4BE5-A381-07952A925CB3}" type="datetimeFigureOut">
               <a:rPr lang="en-US" smtClean="0"/>
-              <a:t>6/25/2020</a:t>
+              <a:t>9/13/2020</a:t>
             </a:fld>
             <a:endParaRPr lang="en-US"/>
           </a:p>
@@ -2393,7 +2393,7 @@
           <a:p>
             <a:fld id="{EB961C20-649C-4BE5-A381-07952A925CB3}" type="datetimeFigureOut">
               <a:rPr lang="en-US" smtClean="0"/>
-              <a:t>6/25/2020</a:t>
+              <a:t>9/13/2020</a:t>
             </a:fld>
             <a:endParaRPr lang="en-US"/>
           </a:p>
@@ -2681,7 +2681,7 @@
           <a:p>
             <a:fld id="{EB961C20-649C-4BE5-A381-07952A925CB3}" type="datetimeFigureOut">
               <a:rPr lang="en-US" smtClean="0"/>
-              <a:t>6/25/2020</a:t>
+              <a:t>9/13/2020</a:t>
             </a:fld>
             <a:endParaRPr lang="en-US"/>
           </a:p>
@@ -2922,7 +2922,7 @@
           <a:p>
             <a:fld id="{EB961C20-649C-4BE5-A381-07952A925CB3}" type="datetimeFigureOut">
               <a:rPr lang="en-US" smtClean="0"/>
-              <a:t>6/25/2020</a:t>
+              <a:t>9/13/2020</a:t>
             </a:fld>
             <a:endParaRPr lang="en-US"/>
           </a:p>
@@ -5872,7 +5872,7 @@
         <p:spPr>
           <a:xfrm>
             <a:off x="1091203" y="1124263"/>
-            <a:ext cx="5698804" cy="2031325"/>
+            <a:ext cx="5834289" cy="2031325"/>
           </a:xfrm>
           <a:prstGeom prst="rect">
             <a:avLst/>
@@ -5909,7 +5909,7 @@
             </a:r>
             <a:r>
               <a:rPr lang="en-US" dirty="0"/>
-              <a:t>: if bot arguments are different then 1 otherwise 0</a:t>
+              <a:t>: if both arguments are different then 1 otherwise 0</a:t>
             </a:r>
           </a:p>
           <a:p>
@@ -7053,15 +7053,7 @@
             <a:pPr lvl="1"/>
             <a:r>
               <a:rPr lang="en-US" dirty="0"/>
-              <a:t>input("Enter </a:t>
-            </a:r>
-            <a:r>
-              <a:rPr lang="en-US" dirty="0" err="1"/>
-              <a:t>Rwo</a:t>
-            </a:r>
-            <a:r>
-              <a:rPr lang="en-US" dirty="0"/>
-              <a:t> no").split()</a:t>
+              <a:t>input("Enter Two no").split()</a:t>
             </a:r>
           </a:p>
           <a:p>
